--- a/final-nishida.pptx
+++ b/final-nishida.pptx
@@ -5,7 +5,7 @@
     <p:sldMasterId id="2147483768" r:id="rId1"/>
   </p:sldMasterIdLst>
   <p:notesMasterIdLst>
-    <p:notesMasterId r:id="rId23"/>
+    <p:notesMasterId r:id="rId24"/>
   </p:notesMasterIdLst>
   <p:sldIdLst>
     <p:sldId id="256" r:id="rId2"/>
@@ -24,11 +24,12 @@
     <p:sldId id="277" r:id="rId15"/>
     <p:sldId id="263" r:id="rId16"/>
     <p:sldId id="265" r:id="rId17"/>
-    <p:sldId id="266" r:id="rId18"/>
-    <p:sldId id="269" r:id="rId19"/>
-    <p:sldId id="267" r:id="rId20"/>
-    <p:sldId id="268" r:id="rId21"/>
-    <p:sldId id="275" r:id="rId22"/>
+    <p:sldId id="278" r:id="rId18"/>
+    <p:sldId id="266" r:id="rId19"/>
+    <p:sldId id="269" r:id="rId20"/>
+    <p:sldId id="267" r:id="rId21"/>
+    <p:sldId id="268" r:id="rId22"/>
+    <p:sldId id="275" r:id="rId23"/>
   </p:sldIdLst>
   <p:sldSz cx="9144000" cy="6858000" type="screen4x3"/>
   <p:notesSz cx="6858000" cy="9144000"/>
@@ -356,11 +357,11 @@
         </c:dLbls>
         <c:marker val="1"/>
         <c:smooth val="0"/>
-        <c:axId val="80803328"/>
-        <c:axId val="111736704"/>
+        <c:axId val="89509248"/>
+        <c:axId val="89515520"/>
       </c:lineChart>
       <c:catAx>
-        <c:axId val="80803328"/>
+        <c:axId val="89509248"/>
         <c:scaling>
           <c:orientation val="minMax"/>
         </c:scaling>
@@ -394,7 +395,7 @@
         <c:majorTickMark val="out"/>
         <c:minorTickMark val="none"/>
         <c:tickLblPos val="nextTo"/>
-        <c:crossAx val="111736704"/>
+        <c:crossAx val="89515520"/>
         <c:crosses val="autoZero"/>
         <c:auto val="1"/>
         <c:lblAlgn val="ctr"/>
@@ -402,7 +403,7 @@
         <c:noMultiLvlLbl val="0"/>
       </c:catAx>
       <c:valAx>
-        <c:axId val="111736704"/>
+        <c:axId val="89515520"/>
         <c:scaling>
           <c:orientation val="minMax"/>
         </c:scaling>
@@ -432,7 +433,7 @@
         <c:majorTickMark val="out"/>
         <c:minorTickMark val="none"/>
         <c:tickLblPos val="nextTo"/>
-        <c:crossAx val="80803328"/>
+        <c:crossAx val="89509248"/>
         <c:crosses val="autoZero"/>
         <c:crossBetween val="between"/>
       </c:valAx>
@@ -678,11 +679,11 @@
         </c:dLbls>
         <c:marker val="1"/>
         <c:smooth val="0"/>
-        <c:axId val="111707264"/>
-        <c:axId val="111709184"/>
+        <c:axId val="89554944"/>
+        <c:axId val="89556864"/>
       </c:lineChart>
       <c:catAx>
-        <c:axId val="111707264"/>
+        <c:axId val="89554944"/>
         <c:scaling>
           <c:orientation val="minMax"/>
         </c:scaling>
@@ -716,7 +717,7 @@
         <c:majorTickMark val="out"/>
         <c:minorTickMark val="none"/>
         <c:tickLblPos val="nextTo"/>
-        <c:crossAx val="111709184"/>
+        <c:crossAx val="89556864"/>
         <c:crosses val="autoZero"/>
         <c:auto val="1"/>
         <c:lblAlgn val="ctr"/>
@@ -724,7 +725,7 @@
         <c:noMultiLvlLbl val="0"/>
       </c:catAx>
       <c:valAx>
-        <c:axId val="111709184"/>
+        <c:axId val="89556864"/>
         <c:scaling>
           <c:orientation val="minMax"/>
         </c:scaling>
@@ -759,7 +760,7 @@
         <c:majorTickMark val="out"/>
         <c:minorTickMark val="none"/>
         <c:tickLblPos val="nextTo"/>
-        <c:crossAx val="111707264"/>
+        <c:crossAx val="89554944"/>
         <c:crosses val="autoZero"/>
         <c:crossBetween val="between"/>
       </c:valAx>
@@ -4147,11 +4148,7 @@
           <a:p>
             <a:r>
               <a:rPr lang="en-US" dirty="0" smtClean="0"/>
-              <a:t>Line Segment </a:t>
-            </a:r>
-            <a:r>
-              <a:rPr lang="en-US" dirty="0" smtClean="0"/>
-              <a:t>Intersection</a:t>
+              <a:t>Line Segment Intersection</a:t>
             </a:r>
             <a:endParaRPr lang="en-US" dirty="0"/>
           </a:p>
@@ -5286,8 +5283,8 @@
           </a:p>
         </p:txBody>
       </p:sp>
-      <mc:AlternateContent xmlns:mc="http://schemas.openxmlformats.org/markup-compatibility/2006">
-        <mc:Choice xmlns:a14="http://schemas.microsoft.com/office/drawing/2010/main" Requires="a14">
+      <mc:AlternateContent xmlns:mc="http://schemas.openxmlformats.org/markup-compatibility/2006" xmlns:a14="http://schemas.microsoft.com/office/drawing/2010/main">
+        <mc:Choice Requires="a14">
           <p:sp>
             <p:nvSpPr>
               <p:cNvPr id="4" name="TextBox 3"/>
@@ -5717,7 +5714,7 @@
             </p:txBody>
           </p:sp>
         </mc:Choice>
-        <mc:Fallback>
+        <mc:Fallback xmlns="">
           <p:sp>
             <p:nvSpPr>
               <p:cNvPr id="4" name="TextBox 3"/>
@@ -5833,8 +5830,8 @@
           </a:p>
         </p:txBody>
       </p:sp>
-      <mc:AlternateContent xmlns:mc="http://schemas.openxmlformats.org/markup-compatibility/2006">
-        <mc:Choice xmlns:a14="http://schemas.microsoft.com/office/drawing/2010/main" Requires="a14">
+      <mc:AlternateContent xmlns:mc="http://schemas.openxmlformats.org/markup-compatibility/2006" xmlns:a14="http://schemas.microsoft.com/office/drawing/2010/main">
+        <mc:Choice Requires="a14">
           <p:sp>
             <p:nvSpPr>
               <p:cNvPr id="4" name="TextBox 3"/>
@@ -6025,7 +6022,7 @@
             </p:txBody>
           </p:sp>
         </mc:Choice>
-        <mc:Fallback>
+        <mc:Fallback xmlns="">
           <p:sp>
             <p:nvSpPr>
               <p:cNvPr id="4" name="TextBox 3"/>
@@ -6064,8 +6061,8 @@
           </p:sp>
         </mc:Fallback>
       </mc:AlternateContent>
-      <mc:AlternateContent xmlns:mc="http://schemas.openxmlformats.org/markup-compatibility/2006">
-        <mc:Choice xmlns:a14="http://schemas.microsoft.com/office/drawing/2010/main" Requires="a14">
+      <mc:AlternateContent xmlns:mc="http://schemas.openxmlformats.org/markup-compatibility/2006" xmlns:a14="http://schemas.microsoft.com/office/drawing/2010/main">
+        <mc:Choice Requires="a14">
           <p:sp>
             <p:nvSpPr>
               <p:cNvPr id="5" name="TextBox 4"/>
@@ -6212,16 +6209,11 @@
                   <a:rPr lang="en-US" b="1" dirty="0" smtClean="0"/>
                   <a:t>then</a:t>
                 </a:r>
-                <a:endParaRPr lang="en-US" b="1" dirty="0" smtClean="0"/>
               </a:p>
               <a:p>
                 <a:r>
                   <a:rPr lang="en-US" dirty="0" smtClean="0"/>
-                  <a:t>3.     </a:t>
-                </a:r>
-                <a:r>
-                  <a:rPr lang="en-US" dirty="0" smtClean="0"/>
-                  <a:t>        </a:t>
+                  <a:t>3.             </a:t>
                 </a:r>
                 <a14:m>
                   <m:oMath xmlns:m="http://schemas.openxmlformats.org/officeDocument/2006/math">
@@ -6312,7 +6304,6 @@
                   <a:rPr lang="en-US" b="1" dirty="0" smtClean="0"/>
                   <a:t>else</a:t>
                 </a:r>
-                <a:endParaRPr lang="en-US" b="1" dirty="0" smtClean="0"/>
               </a:p>
               <a:p>
                 <a:r>
@@ -6402,7 +6393,7 @@
             </p:txBody>
           </p:sp>
         </mc:Choice>
-        <mc:Fallback>
+        <mc:Fallback xmlns="">
           <p:sp>
             <p:nvSpPr>
               <p:cNvPr id="5" name="TextBox 4"/>
@@ -6518,8 +6509,8 @@
           </a:p>
         </p:txBody>
       </p:sp>
-      <mc:AlternateContent xmlns:mc="http://schemas.openxmlformats.org/markup-compatibility/2006">
-        <mc:Choice xmlns:a14="http://schemas.microsoft.com/office/drawing/2010/main" Requires="a14">
+      <mc:AlternateContent xmlns:mc="http://schemas.openxmlformats.org/markup-compatibility/2006" xmlns:a14="http://schemas.microsoft.com/office/drawing/2010/main">
+        <mc:Choice Requires="a14">
           <p:sp>
             <p:nvSpPr>
               <p:cNvPr id="4" name="TextBox 3"/>
@@ -6791,7 +6782,7 @@
             </p:txBody>
           </p:sp>
         </mc:Choice>
-        <mc:Fallback>
+        <mc:Fallback xmlns="">
           <p:sp>
             <p:nvSpPr>
               <p:cNvPr id="4" name="TextBox 3"/>
@@ -6830,8 +6821,8 @@
           </p:sp>
         </mc:Fallback>
       </mc:AlternateContent>
-      <mc:AlternateContent xmlns:mc="http://schemas.openxmlformats.org/markup-compatibility/2006">
-        <mc:Choice xmlns:a14="http://schemas.microsoft.com/office/drawing/2010/main" Requires="a14">
+      <mc:AlternateContent xmlns:mc="http://schemas.openxmlformats.org/markup-compatibility/2006" xmlns:a14="http://schemas.microsoft.com/office/drawing/2010/main">
+        <mc:Choice Requires="a14">
           <p:sp>
             <p:nvSpPr>
               <p:cNvPr id="5" name="TextBox 4"/>
@@ -6969,16 +6960,11 @@
                   <a:rPr lang="en-US" b="1" dirty="0" smtClean="0"/>
                   <a:t>then</a:t>
                 </a:r>
-                <a:endParaRPr lang="en-US" b="1" dirty="0" smtClean="0"/>
               </a:p>
               <a:p>
                 <a:r>
                   <a:rPr lang="en-US" dirty="0" smtClean="0"/>
-                  <a:t>3. </a:t>
-                </a:r>
-                <a:r>
-                  <a:rPr lang="en-US" dirty="0" smtClean="0"/>
-                  <a:t>            </a:t>
+                  <a:t>3.             </a:t>
                 </a:r>
                 <a14:m>
                   <m:oMath xmlns:m="http://schemas.openxmlformats.org/officeDocument/2006/math">
@@ -7091,7 +7077,6 @@
                   <a:rPr lang="en-US" b="1" dirty="0" smtClean="0"/>
                   <a:t>else</a:t>
                 </a:r>
-                <a:endParaRPr lang="en-US" b="1" dirty="0" smtClean="0"/>
               </a:p>
               <a:p>
                 <a:r>
@@ -7203,7 +7188,7 @@
             </p:txBody>
           </p:sp>
         </mc:Choice>
-        <mc:Fallback>
+        <mc:Fallback xmlns="">
           <p:sp>
             <p:nvSpPr>
               <p:cNvPr id="5" name="TextBox 4"/>
@@ -7476,8 +7461,8 @@
           </a:fontRef>
         </p:style>
       </p:cxnSp>
-      <mc:AlternateContent xmlns:mc="http://schemas.openxmlformats.org/markup-compatibility/2006">
-        <mc:Choice xmlns:a14="http://schemas.microsoft.com/office/drawing/2010/main" Requires="a14">
+      <mc:AlternateContent xmlns:mc="http://schemas.openxmlformats.org/markup-compatibility/2006" xmlns:a14="http://schemas.microsoft.com/office/drawing/2010/main">
+        <mc:Choice Requires="a14">
           <p:sp>
             <p:nvSpPr>
               <p:cNvPr id="20" name="TextBox 19"/>
@@ -7500,6 +7485,7 @@
               </a:bodyPr>
               <a:lstStyle/>
               <a:p>
+                <a:pPr/>
                 <a14:m>
                   <m:oMathPara xmlns:m="http://schemas.openxmlformats.org/officeDocument/2006/math">
                     <m:oMathParaPr>
@@ -7857,7 +7843,7 @@
             </p:txBody>
           </p:sp>
         </mc:Choice>
-        <mc:Fallback>
+        <mc:Fallback xmlns="">
           <p:sp>
             <p:nvSpPr>
               <p:cNvPr id="20" name="TextBox 19"/>
@@ -7896,8 +7882,8 @@
           </p:sp>
         </mc:Fallback>
       </mc:AlternateContent>
-      <mc:AlternateContent xmlns:mc="http://schemas.openxmlformats.org/markup-compatibility/2006">
-        <mc:Choice xmlns:a14="http://schemas.microsoft.com/office/drawing/2010/main" Requires="a14">
+      <mc:AlternateContent xmlns:mc="http://schemas.openxmlformats.org/markup-compatibility/2006" xmlns:a14="http://schemas.microsoft.com/office/drawing/2010/main">
+        <mc:Choice Requires="a14">
           <p:sp>
             <p:nvSpPr>
               <p:cNvPr id="21" name="TextBox 20"/>
@@ -7920,6 +7906,7 @@
               </a:bodyPr>
               <a:lstStyle/>
               <a:p>
+                <a:pPr/>
                 <a14:m>
                   <m:oMathPara xmlns:m="http://schemas.openxmlformats.org/officeDocument/2006/math">
                     <m:oMathParaPr>
@@ -7959,7 +7946,7 @@
             </p:txBody>
           </p:sp>
         </mc:Choice>
-        <mc:Fallback>
+        <mc:Fallback xmlns="">
           <p:sp>
             <p:nvSpPr>
               <p:cNvPr id="21" name="TextBox 20"/>
@@ -7998,8 +7985,8 @@
           </p:sp>
         </mc:Fallback>
       </mc:AlternateContent>
-      <mc:AlternateContent xmlns:mc="http://schemas.openxmlformats.org/markup-compatibility/2006">
-        <mc:Choice xmlns:a14="http://schemas.microsoft.com/office/drawing/2010/main" Requires="a14">
+      <mc:AlternateContent xmlns:mc="http://schemas.openxmlformats.org/markup-compatibility/2006" xmlns:a14="http://schemas.microsoft.com/office/drawing/2010/main">
+        <mc:Choice Requires="a14">
           <p:sp>
             <p:nvSpPr>
               <p:cNvPr id="22" name="TextBox 21"/>
@@ -8022,6 +8009,7 @@
               </a:bodyPr>
               <a:lstStyle/>
               <a:p>
+                <a:pPr/>
                 <a14:m>
                   <m:oMathPara xmlns:m="http://schemas.openxmlformats.org/officeDocument/2006/math">
                     <m:oMathParaPr>
@@ -8061,7 +8049,7 @@
             </p:txBody>
           </p:sp>
         </mc:Choice>
-        <mc:Fallback>
+        <mc:Fallback xmlns="">
           <p:sp>
             <p:nvSpPr>
               <p:cNvPr id="22" name="TextBox 21"/>
@@ -8100,8 +8088,8 @@
           </p:sp>
         </mc:Fallback>
       </mc:AlternateContent>
-      <mc:AlternateContent xmlns:mc="http://schemas.openxmlformats.org/markup-compatibility/2006">
-        <mc:Choice xmlns:a14="http://schemas.microsoft.com/office/drawing/2010/main" Requires="a14">
+      <mc:AlternateContent xmlns:mc="http://schemas.openxmlformats.org/markup-compatibility/2006" xmlns:a14="http://schemas.microsoft.com/office/drawing/2010/main">
+        <mc:Choice Requires="a14">
           <p:sp>
             <p:nvSpPr>
               <p:cNvPr id="23" name="TextBox 22"/>
@@ -8124,6 +8112,7 @@
               </a:bodyPr>
               <a:lstStyle/>
               <a:p>
+                <a:pPr/>
                 <a14:m>
                   <m:oMathPara xmlns:m="http://schemas.openxmlformats.org/officeDocument/2006/math">
                     <m:oMathParaPr>
@@ -8163,7 +8152,7 @@
             </p:txBody>
           </p:sp>
         </mc:Choice>
-        <mc:Fallback>
+        <mc:Fallback xmlns="">
           <p:sp>
             <p:nvSpPr>
               <p:cNvPr id="23" name="TextBox 22"/>
@@ -8202,8 +8191,8 @@
           </p:sp>
         </mc:Fallback>
       </mc:AlternateContent>
-      <mc:AlternateContent xmlns:mc="http://schemas.openxmlformats.org/markup-compatibility/2006">
-        <mc:Choice xmlns:a14="http://schemas.microsoft.com/office/drawing/2010/main" Requires="a14">
+      <mc:AlternateContent xmlns:mc="http://schemas.openxmlformats.org/markup-compatibility/2006" xmlns:a14="http://schemas.microsoft.com/office/drawing/2010/main">
+        <mc:Choice Requires="a14">
           <p:sp>
             <p:nvSpPr>
               <p:cNvPr id="24" name="TextBox 23"/>
@@ -8226,6 +8215,7 @@
               </a:bodyPr>
               <a:lstStyle/>
               <a:p>
+                <a:pPr/>
                 <a14:m>
                   <m:oMathPara xmlns:m="http://schemas.openxmlformats.org/officeDocument/2006/math">
                     <m:oMathParaPr>
@@ -8583,7 +8573,7 @@
             </p:txBody>
           </p:sp>
         </mc:Choice>
-        <mc:Fallback>
+        <mc:Fallback xmlns="">
           <p:sp>
             <p:nvSpPr>
               <p:cNvPr id="24" name="TextBox 23"/>
@@ -8622,8 +8612,8 @@
           </p:sp>
         </mc:Fallback>
       </mc:AlternateContent>
-      <mc:AlternateContent xmlns:mc="http://schemas.openxmlformats.org/markup-compatibility/2006">
-        <mc:Choice xmlns:a14="http://schemas.microsoft.com/office/drawing/2010/main" Requires="a14">
+      <mc:AlternateContent xmlns:mc="http://schemas.openxmlformats.org/markup-compatibility/2006" xmlns:a14="http://schemas.microsoft.com/office/drawing/2010/main">
+        <mc:Choice Requires="a14">
           <p:sp>
             <p:nvSpPr>
               <p:cNvPr id="25" name="TextBox 24"/>
@@ -8894,7 +8884,7 @@
             </p:txBody>
           </p:sp>
         </mc:Choice>
-        <mc:Fallback>
+        <mc:Fallback xmlns="">
           <p:sp>
             <p:nvSpPr>
               <p:cNvPr id="25" name="TextBox 24"/>
@@ -9045,8 +9035,8 @@
           </a:p>
         </p:txBody>
       </p:sp>
-      <mc:AlternateContent xmlns:mc="http://schemas.openxmlformats.org/markup-compatibility/2006">
-        <mc:Choice xmlns:a14="http://schemas.microsoft.com/office/drawing/2010/main" Requires="a14">
+      <mc:AlternateContent xmlns:mc="http://schemas.openxmlformats.org/markup-compatibility/2006" xmlns:a14="http://schemas.microsoft.com/office/drawing/2010/main">
+        <mc:Choice Requires="a14">
           <p:sp>
             <p:nvSpPr>
               <p:cNvPr id="31" name="TextBox 30"/>
@@ -9286,7 +9276,7 @@
             </p:txBody>
           </p:sp>
         </mc:Choice>
-        <mc:Fallback>
+        <mc:Fallback xmlns="">
           <p:sp>
             <p:nvSpPr>
               <p:cNvPr id="31" name="TextBox 30"/>
@@ -9325,8 +9315,8 @@
           </p:sp>
         </mc:Fallback>
       </mc:AlternateContent>
-      <mc:AlternateContent xmlns:mc="http://schemas.openxmlformats.org/markup-compatibility/2006">
-        <mc:Choice xmlns:a14="http://schemas.microsoft.com/office/drawing/2010/main" Requires="a14">
+      <mc:AlternateContent xmlns:mc="http://schemas.openxmlformats.org/markup-compatibility/2006" xmlns:a14="http://schemas.microsoft.com/office/drawing/2010/main">
+        <mc:Choice Requires="a14">
           <p:sp>
             <p:nvSpPr>
               <p:cNvPr id="32" name="Rectangle 31"/>
@@ -9405,7 +9395,7 @@
             </p:txBody>
           </p:sp>
         </mc:Choice>
-        <mc:Fallback>
+        <mc:Fallback xmlns="">
           <p:sp>
             <p:nvSpPr>
               <p:cNvPr id="32" name="Rectangle 31"/>
@@ -9602,8 +9592,8 @@
           </a:p>
         </p:txBody>
       </p:sp>
-      <mc:AlternateContent xmlns:mc="http://schemas.openxmlformats.org/markup-compatibility/2006">
-        <mc:Choice xmlns:a14="http://schemas.microsoft.com/office/drawing/2010/main" Requires="a14">
+      <mc:AlternateContent xmlns:mc="http://schemas.openxmlformats.org/markup-compatibility/2006" xmlns:a14="http://schemas.microsoft.com/office/drawing/2010/main">
+        <mc:Choice Requires="a14">
           <p:sp>
             <p:nvSpPr>
               <p:cNvPr id="5" name="TextBox 4"/>
@@ -10309,7 +10299,7 @@
             </p:txBody>
           </p:sp>
         </mc:Choice>
-        <mc:Fallback>
+        <mc:Fallback xmlns="">
           <p:sp>
             <p:nvSpPr>
               <p:cNvPr id="5" name="TextBox 4"/>
@@ -10348,8 +10338,8 @@
           </p:sp>
         </mc:Fallback>
       </mc:AlternateContent>
-      <mc:AlternateContent xmlns:mc="http://schemas.openxmlformats.org/markup-compatibility/2006">
-        <mc:Choice xmlns:a14="http://schemas.microsoft.com/office/drawing/2010/main" Requires="a14">
+      <mc:AlternateContent xmlns:mc="http://schemas.openxmlformats.org/markup-compatibility/2006" xmlns:a14="http://schemas.microsoft.com/office/drawing/2010/main">
+        <mc:Choice Requires="a14">
           <p:sp>
             <p:nvSpPr>
               <p:cNvPr id="6" name="TextBox 5"/>
@@ -10378,11 +10368,7 @@
                 </a:pPr>
                 <a:r>
                   <a:rPr lang="en-US" sz="3200" dirty="0" smtClean="0"/>
-                  <a:t>Computation </a:t>
-                </a:r>
-                <a:r>
-                  <a:rPr lang="en-US" sz="3200" dirty="0" smtClean="0"/>
-                  <a:t>time is </a:t>
+                  <a:t>Computation time is </a:t>
                 </a:r>
                 <a14:m>
                   <m:oMath xmlns:m="http://schemas.openxmlformats.org/officeDocument/2006/math">
@@ -10438,7 +10424,7 @@
             </p:txBody>
           </p:sp>
         </mc:Choice>
-        <mc:Fallback>
+        <mc:Fallback xmlns="">
           <p:sp>
             <p:nvSpPr>
               <p:cNvPr id="6" name="TextBox 5"/>
@@ -10554,8 +10540,8 @@
           </a:p>
         </p:txBody>
       </p:sp>
-      <mc:AlternateContent xmlns:mc="http://schemas.openxmlformats.org/markup-compatibility/2006">
-        <mc:Choice xmlns:a14="http://schemas.microsoft.com/office/drawing/2010/main" Requires="a14">
+      <mc:AlternateContent xmlns:mc="http://schemas.openxmlformats.org/markup-compatibility/2006" xmlns:a14="http://schemas.microsoft.com/office/drawing/2010/main">
+        <mc:Choice Requires="a14">
           <p:sp>
             <p:nvSpPr>
               <p:cNvPr id="4" name="TextBox 3"/>
@@ -10584,11 +10570,7 @@
                 </a:pPr>
                 <a:r>
                   <a:rPr lang="en-US" sz="3200" dirty="0" smtClean="0"/>
-                  <a:t>C++ implementation of k-d </a:t>
-                </a:r>
-                <a:r>
-                  <a:rPr lang="en-US" sz="3200" dirty="0" smtClean="0"/>
-                  <a:t>tree</a:t>
+                  <a:t>C++ implementation of k-d tree</a:t>
                 </a:r>
                 <a:r>
                   <a:rPr lang="en-US" sz="3200" baseline="30000" dirty="0" smtClean="0"/>
@@ -10596,11 +10578,7 @@
                 </a:r>
                 <a:r>
                   <a:rPr lang="en-US" sz="3200" dirty="0" smtClean="0"/>
-                  <a:t> </a:t>
-                </a:r>
-                <a:r>
-                  <a:rPr lang="en-US" sz="3200" dirty="0" smtClean="0"/>
-                  <a:t>using ACP library.</a:t>
+                  <a:t> using ACP library.</a:t>
                 </a:r>
               </a:p>
               <a:p>
@@ -10617,7 +10595,7 @@
                 </a:pPr>
                 <a:r>
                   <a:rPr lang="en-US" sz="3200" dirty="0" smtClean="0"/>
-                  <a:t>Each line segment has average 10 units long randomly spatially distributed over the 1000 units </a:t>
+                  <a:t>10,000 line segments with average 10 units long randomly spatially distributed over the 1000 units </a:t>
                 </a:r>
                 <a14:m>
                   <m:oMath xmlns:m="http://schemas.openxmlformats.org/officeDocument/2006/math">
@@ -10648,7 +10626,7 @@
             </p:txBody>
           </p:sp>
         </mc:Choice>
-        <mc:Fallback>
+        <mc:Fallback xmlns="">
           <p:sp>
             <p:nvSpPr>
               <p:cNvPr id="4" name="TextBox 3"/>
@@ -10765,6 +10743,137 @@
           <a:p>
             <a:r>
               <a:rPr lang="en-US" dirty="0" smtClean="0"/>
+              <a:t>One Example of Test Data</a:t>
+            </a:r>
+            <a:endParaRPr lang="en-US" dirty="0"/>
+          </a:p>
+        </p:txBody>
+      </p:sp>
+      <p:sp>
+        <p:nvSpPr>
+          <p:cNvPr id="3" name="Slide Number Placeholder 2"/>
+          <p:cNvSpPr>
+            <a:spLocks noGrp="1"/>
+          </p:cNvSpPr>
+          <p:nvPr>
+            <p:ph type="sldNum" sz="quarter" idx="12"/>
+          </p:nvPr>
+        </p:nvSpPr>
+        <p:spPr/>
+        <p:txBody>
+          <a:bodyPr/>
+          <a:lstStyle/>
+          <a:p>
+            <a:fld id="{B6F15528-21DE-4FAA-801E-634DDDAF4B2B}" type="slidenum">
+              <a:rPr lang="en-US" smtClean="0"/>
+              <a:pPr/>
+              <a:t>17</a:t>
+            </a:fld>
+            <a:endParaRPr lang="en-US"/>
+          </a:p>
+        </p:txBody>
+      </p:sp>
+      <p:pic>
+        <p:nvPicPr>
+          <p:cNvPr id="1026" name="Picture 2"/>
+          <p:cNvPicPr>
+            <a:picLocks noChangeAspect="1" noChangeArrowheads="1"/>
+          </p:cNvPicPr>
+          <p:nvPr/>
+        </p:nvPicPr>
+        <p:blipFill>
+          <a:blip r:embed="rId2">
+            <a:extLst>
+              <a:ext uri="{28A0092B-C50C-407E-A947-70E740481C1C}">
+                <a14:useLocalDpi xmlns:a14="http://schemas.microsoft.com/office/drawing/2010/main" val="0"/>
+              </a:ext>
+            </a:extLst>
+          </a:blip>
+          <a:srcRect/>
+          <a:stretch>
+            <a:fillRect/>
+          </a:stretch>
+        </p:blipFill>
+        <p:spPr bwMode="auto">
+          <a:xfrm>
+            <a:off x="1981200" y="1524000"/>
+            <a:ext cx="4957762" cy="4939194"/>
+          </a:xfrm>
+          <a:prstGeom prst="rect">
+            <a:avLst/>
+          </a:prstGeom>
+          <a:noFill/>
+          <a:ln>
+            <a:noFill/>
+          </a:ln>
+          <a:extLst>
+            <a:ext uri="{909E8E84-426E-40DD-AFC4-6F175D3DCCD1}">
+              <a14:hiddenFill xmlns:a14="http://schemas.microsoft.com/office/drawing/2010/main">
+                <a:solidFill>
+                  <a:schemeClr val="accent1"/>
+                </a:solidFill>
+              </a14:hiddenFill>
+            </a:ext>
+            <a:ext uri="{91240B29-F687-4F45-9708-019B960494DF}">
+              <a14:hiddenLine xmlns:a14="http://schemas.microsoft.com/office/drawing/2010/main" w="9525">
+                <a:solidFill>
+                  <a:schemeClr val="tx1"/>
+                </a:solidFill>
+                <a:miter lim="800000"/>
+                <a:headEnd/>
+                <a:tailEnd/>
+              </a14:hiddenLine>
+            </a:ext>
+          </a:extLst>
+        </p:spPr>
+      </p:pic>
+    </p:spTree>
+    <p:extLst>
+      <p:ext uri="{BB962C8B-B14F-4D97-AF65-F5344CB8AC3E}">
+        <p14:creationId xmlns:p14="http://schemas.microsoft.com/office/powerpoint/2010/main" val="1319249123"/>
+      </p:ext>
+    </p:extLst>
+  </p:cSld>
+  <p:clrMapOvr>
+    <a:masterClrMapping/>
+  </p:clrMapOvr>
+</p:sld>
+</file>
+
+<file path=ppt/slides/slide18.xml><?xml version="1.0" encoding="utf-8"?>
+<p:sld xmlns:a="http://schemas.openxmlformats.org/drawingml/2006/main" xmlns:r="http://schemas.openxmlformats.org/officeDocument/2006/relationships" xmlns:p="http://schemas.openxmlformats.org/presentationml/2006/main">
+  <p:cSld>
+    <p:spTree>
+      <p:nvGrpSpPr>
+        <p:cNvPr id="1" name=""/>
+        <p:cNvGrpSpPr/>
+        <p:nvPr/>
+      </p:nvGrpSpPr>
+      <p:grpSpPr>
+        <a:xfrm>
+          <a:off x="0" y="0"/>
+          <a:ext cx="0" cy="0"/>
+          <a:chOff x="0" y="0"/>
+          <a:chExt cx="0" cy="0"/>
+        </a:xfrm>
+      </p:grpSpPr>
+      <p:sp>
+        <p:nvSpPr>
+          <p:cNvPr id="2" name="Title 1"/>
+          <p:cNvSpPr>
+            <a:spLocks noGrp="1"/>
+          </p:cNvSpPr>
+          <p:nvPr>
+            <p:ph type="title"/>
+          </p:nvPr>
+        </p:nvSpPr>
+        <p:spPr/>
+        <p:txBody>
+          <a:bodyPr/>
+          <a:lstStyle/>
+          <a:p>
+            <a:r>
+              <a:rPr lang="en-US" dirty="0" smtClean="0"/>
               <a:t>Results</a:t>
             </a:r>
             <a:endParaRPr lang="en-US" dirty="0"/>
@@ -10789,7 +10898,7 @@
             <a:fld id="{B6F15528-21DE-4FAA-801E-634DDDAF4B2B}" type="slidenum">
               <a:rPr lang="en-US" smtClean="0"/>
               <a:pPr/>
-              <a:t>17</a:t>
+              <a:t>18</a:t>
             </a:fld>
             <a:endParaRPr lang="en-US"/>
           </a:p>
@@ -10865,7 +10974,7 @@
 </p:sld>
 </file>
 
-<file path=ppt/slides/slide18.xml><?xml version="1.0" encoding="utf-8"?>
+<file path=ppt/slides/slide19.xml><?xml version="1.0" encoding="utf-8"?>
 <p:sld xmlns:a="http://schemas.openxmlformats.org/drawingml/2006/main" xmlns:r="http://schemas.openxmlformats.org/officeDocument/2006/relationships" xmlns:p="http://schemas.openxmlformats.org/presentationml/2006/main">
   <p:cSld>
     <p:spTree>
@@ -10923,7 +11032,7 @@
             <a:fld id="{B6F15528-21DE-4FAA-801E-634DDDAF4B2B}" type="slidenum">
               <a:rPr lang="en-US" smtClean="0"/>
               <a:pPr/>
-              <a:t>18</a:t>
+              <a:t>19</a:t>
             </a:fld>
             <a:endParaRPr lang="en-US"/>
           </a:p>
@@ -10990,238 +11099,6 @@
     <p:extLst>
       <p:ext uri="{BB962C8B-B14F-4D97-AF65-F5344CB8AC3E}">
         <p14:creationId xmlns:p14="http://schemas.microsoft.com/office/powerpoint/2010/main" val="3624940646"/>
-      </p:ext>
-    </p:extLst>
-  </p:cSld>
-  <p:clrMapOvr>
-    <a:masterClrMapping/>
-  </p:clrMapOvr>
-</p:sld>
-</file>
-
-<file path=ppt/slides/slide19.xml><?xml version="1.0" encoding="utf-8"?>
-<p:sld xmlns:a="http://schemas.openxmlformats.org/drawingml/2006/main" xmlns:r="http://schemas.openxmlformats.org/officeDocument/2006/relationships" xmlns:p="http://schemas.openxmlformats.org/presentationml/2006/main">
-  <p:cSld>
-    <p:spTree>
-      <p:nvGrpSpPr>
-        <p:cNvPr id="1" name=""/>
-        <p:cNvGrpSpPr/>
-        <p:nvPr/>
-      </p:nvGrpSpPr>
-      <p:grpSpPr>
-        <a:xfrm>
-          <a:off x="0" y="0"/>
-          <a:ext cx="0" cy="0"/>
-          <a:chOff x="0" y="0"/>
-          <a:chExt cx="0" cy="0"/>
-        </a:xfrm>
-      </p:grpSpPr>
-      <p:sp>
-        <p:nvSpPr>
-          <p:cNvPr id="2" name="Title 1"/>
-          <p:cNvSpPr>
-            <a:spLocks noGrp="1"/>
-          </p:cNvSpPr>
-          <p:nvPr>
-            <p:ph type="title"/>
-          </p:nvPr>
-        </p:nvSpPr>
-        <p:spPr/>
-        <p:txBody>
-          <a:bodyPr/>
-          <a:lstStyle/>
-          <a:p>
-            <a:r>
-              <a:rPr lang="en-US" dirty="0" smtClean="0"/>
-              <a:t>Conclusions</a:t>
-            </a:r>
-            <a:endParaRPr lang="en-US" dirty="0"/>
-          </a:p>
-        </p:txBody>
-      </p:sp>
-      <p:sp>
-        <p:nvSpPr>
-          <p:cNvPr id="3" name="Slide Number Placeholder 2"/>
-          <p:cNvSpPr>
-            <a:spLocks noGrp="1"/>
-          </p:cNvSpPr>
-          <p:nvPr>
-            <p:ph type="sldNum" sz="quarter" idx="12"/>
-          </p:nvPr>
-        </p:nvSpPr>
-        <p:spPr/>
-        <p:txBody>
-          <a:bodyPr/>
-          <a:lstStyle/>
-          <a:p>
-            <a:fld id="{B6F15528-21DE-4FAA-801E-634DDDAF4B2B}" type="slidenum">
-              <a:rPr lang="en-US" smtClean="0"/>
-              <a:pPr/>
-              <a:t>19</a:t>
-            </a:fld>
-            <a:endParaRPr lang="en-US"/>
-          </a:p>
-        </p:txBody>
-      </p:sp>
-      <mc:AlternateContent xmlns:mc="http://schemas.openxmlformats.org/markup-compatibility/2006">
-        <mc:Choice xmlns:a14="http://schemas.microsoft.com/office/drawing/2010/main" Requires="a14">
-          <p:sp>
-            <p:nvSpPr>
-              <p:cNvPr id="4" name="TextBox 3"/>
-              <p:cNvSpPr txBox="1"/>
-              <p:nvPr/>
-            </p:nvSpPr>
-            <p:spPr>
-              <a:xfrm>
-                <a:off x="304800" y="1671697"/>
-                <a:ext cx="8534400" cy="2554545"/>
-              </a:xfrm>
-              <a:prstGeom prst="rect">
-                <a:avLst/>
-              </a:prstGeom>
-              <a:noFill/>
-            </p:spPr>
-            <p:txBody>
-              <a:bodyPr wrap="square" rtlCol="0">
-                <a:spAutoFit/>
-              </a:bodyPr>
-              <a:lstStyle/>
-              <a:p>
-                <a:pPr marL="457200" indent="-457200">
-                  <a:buFont typeface="Wingdings" panose="05000000000000000000" pitchFamily="2" charset="2"/>
-                  <a:buChar char="q"/>
-                </a:pPr>
-                <a:r>
-                  <a:rPr lang="en-US" sz="3200" dirty="0" smtClean="0"/>
-                  <a:t>K-d tree for line segments using cost-based splitting</a:t>
-                </a:r>
-              </a:p>
-              <a:p>
-                <a:pPr marL="457200" indent="-457200">
-                  <a:buFont typeface="Wingdings" panose="05000000000000000000" pitchFamily="2" charset="2"/>
-                  <a:buChar char="q"/>
-                </a:pPr>
-                <a:r>
-                  <a:rPr lang="en-US" sz="3200" dirty="0" smtClean="0"/>
-                  <a:t>Theoretical construction time is </a:t>
-                </a:r>
-                <a14:m>
-                  <m:oMath xmlns:m="http://schemas.openxmlformats.org/officeDocument/2006/math">
-                    <m:r>
-                      <a:rPr lang="en-US" sz="3200" b="0" i="1" smtClean="0">
-                        <a:latin typeface="Cambria Math"/>
-                      </a:rPr>
-                      <m:t>𝑂</m:t>
-                    </m:r>
-                    <m:d>
-                      <m:dPr>
-                        <m:ctrlPr>
-                          <a:rPr lang="en-US" sz="3200" b="0" i="1" smtClean="0">
-                            <a:latin typeface="Cambria Math"/>
-                          </a:rPr>
-                        </m:ctrlPr>
-                      </m:dPr>
-                      <m:e>
-                        <m:r>
-                          <a:rPr lang="en-US" sz="3200" b="0" i="1" smtClean="0">
-                            <a:latin typeface="Cambria Math"/>
-                          </a:rPr>
-                          <m:t>𝑁</m:t>
-                        </m:r>
-                        <m:func>
-                          <m:funcPr>
-                            <m:ctrlPr>
-                              <a:rPr lang="en-US" sz="3200" b="0" i="1" smtClean="0">
-                                <a:latin typeface="Cambria Math"/>
-                              </a:rPr>
-                            </m:ctrlPr>
-                          </m:funcPr>
-                          <m:fName>
-                            <m:r>
-                              <m:rPr>
-                                <m:sty m:val="p"/>
-                              </m:rPr>
-                              <a:rPr lang="en-US" sz="3200" b="0" i="0" smtClean="0">
-                                <a:latin typeface="Cambria Math"/>
-                              </a:rPr>
-                              <m:t>log</m:t>
-                            </m:r>
-                          </m:fName>
-                          <m:e>
-                            <m:r>
-                              <a:rPr lang="en-US" sz="3200" b="0" i="1" smtClean="0">
-                                <a:latin typeface="Cambria Math"/>
-                              </a:rPr>
-                              <m:t>𝑁</m:t>
-                            </m:r>
-                          </m:e>
-                        </m:func>
-                      </m:e>
-                    </m:d>
-                  </m:oMath>
-                </a14:m>
-                <a:endParaRPr lang="en-US" sz="3200" dirty="0" smtClean="0"/>
-              </a:p>
-              <a:p>
-                <a:pPr marL="457200" indent="-457200">
-                  <a:buFont typeface="Wingdings" panose="05000000000000000000" pitchFamily="2" charset="2"/>
-                  <a:buChar char="q"/>
-                </a:pPr>
-                <a:r>
-                  <a:rPr lang="en-US" sz="3200" dirty="0" smtClean="0"/>
-                  <a:t>Better query performance than </a:t>
-                </a:r>
-                <a:r>
-                  <a:rPr lang="en-US" sz="3200" dirty="0" smtClean="0"/>
-                  <a:t>the spatial median splitting by average 20%.</a:t>
-                </a:r>
-              </a:p>
-            </p:txBody>
-          </p:sp>
-        </mc:Choice>
-        <mc:Fallback>
-          <p:sp>
-            <p:nvSpPr>
-              <p:cNvPr id="4" name="TextBox 3"/>
-              <p:cNvSpPr txBox="1">
-                <a:spLocks noRot="1" noChangeAspect="1" noMove="1" noResize="1" noEditPoints="1" noAdjustHandles="1" noChangeArrowheads="1" noChangeShapeType="1" noTextEdit="1"/>
-              </p:cNvSpPr>
-              <p:nvPr/>
-            </p:nvSpPr>
-            <p:spPr>
-              <a:xfrm>
-                <a:off x="304800" y="1671697"/>
-                <a:ext cx="8534400" cy="2554545"/>
-              </a:xfrm>
-              <a:prstGeom prst="rect">
-                <a:avLst/>
-              </a:prstGeom>
-              <a:blipFill rotWithShape="1">
-                <a:blip r:embed="rId2"/>
-                <a:stretch>
-                  <a:fillRect l="-1571" t="-3103" b="-6921"/>
-                </a:stretch>
-              </a:blipFill>
-            </p:spPr>
-            <p:txBody>
-              <a:bodyPr/>
-              <a:lstStyle/>
-              <a:p>
-                <a:r>
-                  <a:rPr lang="en-US">
-                    <a:noFill/>
-                  </a:rPr>
-                  <a:t> </a:t>
-                </a:r>
-              </a:p>
-            </p:txBody>
-          </p:sp>
-        </mc:Fallback>
-      </mc:AlternateContent>
-    </p:spTree>
-    <p:extLst>
-      <p:ext uri="{BB962C8B-B14F-4D97-AF65-F5344CB8AC3E}">
-        <p14:creationId xmlns:p14="http://schemas.microsoft.com/office/powerpoint/2010/main" val="2254021456"/>
       </p:ext>
     </p:extLst>
   </p:cSld>
@@ -11533,11 +11410,7 @@
             <a:pPr lvl="0"/>
             <a:r>
               <a:rPr lang="en-US" sz="1200" dirty="0" smtClean="0"/>
-              <a:t>[1]  </a:t>
-            </a:r>
-            <a:r>
-              <a:rPr lang="en-US" sz="1200" dirty="0" smtClean="0"/>
-              <a:t>Berg, M. D., Cheong, O., </a:t>
+              <a:t>[1]  Berg, M. D., Cheong, O., </a:t>
             </a:r>
             <a:r>
               <a:rPr lang="en-US" sz="1200" dirty="0" err="1" smtClean="0"/>
@@ -11564,11 +11437,7 @@
             </a:r>
             <a:r>
               <a:rPr lang="en-US" sz="1200" dirty="0" smtClean="0"/>
-              <a:t>      </a:t>
-            </a:r>
-            <a:r>
-              <a:rPr lang="en-US" sz="1200" dirty="0" smtClean="0"/>
-              <a:t>Edition.  2008.  ISBN 3-54077-973-6</a:t>
+              <a:t>      Edition.  2008.  ISBN 3-54077-973-6</a:t>
             </a:r>
             <a:endParaRPr lang="en-US" sz="1200" dirty="0"/>
           </a:p>
@@ -11606,6 +11475,234 @@
       </p:grpSpPr>
       <p:sp>
         <p:nvSpPr>
+          <p:cNvPr id="2" name="Title 1"/>
+          <p:cNvSpPr>
+            <a:spLocks noGrp="1"/>
+          </p:cNvSpPr>
+          <p:nvPr>
+            <p:ph type="title"/>
+          </p:nvPr>
+        </p:nvSpPr>
+        <p:spPr/>
+        <p:txBody>
+          <a:bodyPr/>
+          <a:lstStyle/>
+          <a:p>
+            <a:r>
+              <a:rPr lang="en-US" dirty="0" smtClean="0"/>
+              <a:t>Conclusions</a:t>
+            </a:r>
+            <a:endParaRPr lang="en-US" dirty="0"/>
+          </a:p>
+        </p:txBody>
+      </p:sp>
+      <p:sp>
+        <p:nvSpPr>
+          <p:cNvPr id="3" name="Slide Number Placeholder 2"/>
+          <p:cNvSpPr>
+            <a:spLocks noGrp="1"/>
+          </p:cNvSpPr>
+          <p:nvPr>
+            <p:ph type="sldNum" sz="quarter" idx="12"/>
+          </p:nvPr>
+        </p:nvSpPr>
+        <p:spPr/>
+        <p:txBody>
+          <a:bodyPr/>
+          <a:lstStyle/>
+          <a:p>
+            <a:fld id="{B6F15528-21DE-4FAA-801E-634DDDAF4B2B}" type="slidenum">
+              <a:rPr lang="en-US" smtClean="0"/>
+              <a:pPr/>
+              <a:t>20</a:t>
+            </a:fld>
+            <a:endParaRPr lang="en-US"/>
+          </a:p>
+        </p:txBody>
+      </p:sp>
+      <mc:AlternateContent xmlns:mc="http://schemas.openxmlformats.org/markup-compatibility/2006" xmlns:a14="http://schemas.microsoft.com/office/drawing/2010/main">
+        <mc:Choice Requires="a14">
+          <p:sp>
+            <p:nvSpPr>
+              <p:cNvPr id="4" name="TextBox 3"/>
+              <p:cNvSpPr txBox="1"/>
+              <p:nvPr/>
+            </p:nvSpPr>
+            <p:spPr>
+              <a:xfrm>
+                <a:off x="304800" y="1671697"/>
+                <a:ext cx="8534400" cy="2554545"/>
+              </a:xfrm>
+              <a:prstGeom prst="rect">
+                <a:avLst/>
+              </a:prstGeom>
+              <a:noFill/>
+            </p:spPr>
+            <p:txBody>
+              <a:bodyPr wrap="square" rtlCol="0">
+                <a:spAutoFit/>
+              </a:bodyPr>
+              <a:lstStyle/>
+              <a:p>
+                <a:pPr marL="457200" indent="-457200">
+                  <a:buFont typeface="Wingdings" panose="05000000000000000000" pitchFamily="2" charset="2"/>
+                  <a:buChar char="q"/>
+                </a:pPr>
+                <a:r>
+                  <a:rPr lang="en-US" sz="3200" dirty="0" smtClean="0"/>
+                  <a:t>K-d tree for line segments using cost-based splitting</a:t>
+                </a:r>
+              </a:p>
+              <a:p>
+                <a:pPr marL="457200" indent="-457200">
+                  <a:buFont typeface="Wingdings" panose="05000000000000000000" pitchFamily="2" charset="2"/>
+                  <a:buChar char="q"/>
+                </a:pPr>
+                <a:r>
+                  <a:rPr lang="en-US" sz="3200" dirty="0" smtClean="0"/>
+                  <a:t>Theoretical construction time is </a:t>
+                </a:r>
+                <a14:m>
+                  <m:oMath xmlns:m="http://schemas.openxmlformats.org/officeDocument/2006/math">
+                    <m:r>
+                      <a:rPr lang="en-US" sz="3200" b="0" i="1" smtClean="0">
+                        <a:latin typeface="Cambria Math"/>
+                      </a:rPr>
+                      <m:t>𝑂</m:t>
+                    </m:r>
+                    <m:d>
+                      <m:dPr>
+                        <m:ctrlPr>
+                          <a:rPr lang="en-US" sz="3200" b="0" i="1" smtClean="0">
+                            <a:latin typeface="Cambria Math"/>
+                          </a:rPr>
+                        </m:ctrlPr>
+                      </m:dPr>
+                      <m:e>
+                        <m:r>
+                          <a:rPr lang="en-US" sz="3200" b="0" i="1" smtClean="0">
+                            <a:latin typeface="Cambria Math"/>
+                          </a:rPr>
+                          <m:t>𝑁</m:t>
+                        </m:r>
+                        <m:func>
+                          <m:funcPr>
+                            <m:ctrlPr>
+                              <a:rPr lang="en-US" sz="3200" b="0" i="1" smtClean="0">
+                                <a:latin typeface="Cambria Math"/>
+                              </a:rPr>
+                            </m:ctrlPr>
+                          </m:funcPr>
+                          <m:fName>
+                            <m:r>
+                              <m:rPr>
+                                <m:sty m:val="p"/>
+                              </m:rPr>
+                              <a:rPr lang="en-US" sz="3200" b="0" i="0" smtClean="0">
+                                <a:latin typeface="Cambria Math"/>
+                              </a:rPr>
+                              <m:t>log</m:t>
+                            </m:r>
+                          </m:fName>
+                          <m:e>
+                            <m:r>
+                              <a:rPr lang="en-US" sz="3200" b="0" i="1" smtClean="0">
+                                <a:latin typeface="Cambria Math"/>
+                              </a:rPr>
+                              <m:t>𝑁</m:t>
+                            </m:r>
+                          </m:e>
+                        </m:func>
+                      </m:e>
+                    </m:d>
+                  </m:oMath>
+                </a14:m>
+                <a:endParaRPr lang="en-US" sz="3200" dirty="0" smtClean="0"/>
+              </a:p>
+              <a:p>
+                <a:pPr marL="457200" indent="-457200">
+                  <a:buFont typeface="Wingdings" panose="05000000000000000000" pitchFamily="2" charset="2"/>
+                  <a:buChar char="q"/>
+                </a:pPr>
+                <a:r>
+                  <a:rPr lang="en-US" sz="3200" dirty="0" smtClean="0"/>
+                  <a:t>Better query performance than the spatial median splitting by average 20%.</a:t>
+                </a:r>
+              </a:p>
+            </p:txBody>
+          </p:sp>
+        </mc:Choice>
+        <mc:Fallback xmlns="">
+          <p:sp>
+            <p:nvSpPr>
+              <p:cNvPr id="4" name="TextBox 3"/>
+              <p:cNvSpPr txBox="1">
+                <a:spLocks noRot="1" noChangeAspect="1" noMove="1" noResize="1" noEditPoints="1" noAdjustHandles="1" noChangeArrowheads="1" noChangeShapeType="1" noTextEdit="1"/>
+              </p:cNvSpPr>
+              <p:nvPr/>
+            </p:nvSpPr>
+            <p:spPr>
+              <a:xfrm>
+                <a:off x="304800" y="1671697"/>
+                <a:ext cx="8534400" cy="2554545"/>
+              </a:xfrm>
+              <a:prstGeom prst="rect">
+                <a:avLst/>
+              </a:prstGeom>
+              <a:blipFill rotWithShape="1">
+                <a:blip r:embed="rId2"/>
+                <a:stretch>
+                  <a:fillRect l="-1571" t="-3103" b="-6921"/>
+                </a:stretch>
+              </a:blipFill>
+            </p:spPr>
+            <p:txBody>
+              <a:bodyPr/>
+              <a:lstStyle/>
+              <a:p>
+                <a:r>
+                  <a:rPr lang="en-US">
+                    <a:noFill/>
+                  </a:rPr>
+                  <a:t> </a:t>
+                </a:r>
+              </a:p>
+            </p:txBody>
+          </p:sp>
+        </mc:Fallback>
+      </mc:AlternateContent>
+    </p:spTree>
+    <p:extLst>
+      <p:ext uri="{BB962C8B-B14F-4D97-AF65-F5344CB8AC3E}">
+        <p14:creationId xmlns:p14="http://schemas.microsoft.com/office/powerpoint/2010/main" val="2254021456"/>
+      </p:ext>
+    </p:extLst>
+  </p:cSld>
+  <p:clrMapOvr>
+    <a:masterClrMapping/>
+  </p:clrMapOvr>
+</p:sld>
+</file>
+
+<file path=ppt/slides/slide21.xml><?xml version="1.0" encoding="utf-8"?>
+<p:sld xmlns:a="http://schemas.openxmlformats.org/drawingml/2006/main" xmlns:r="http://schemas.openxmlformats.org/officeDocument/2006/relationships" xmlns:p="http://schemas.openxmlformats.org/presentationml/2006/main">
+  <p:cSld>
+    <p:spTree>
+      <p:nvGrpSpPr>
+        <p:cNvPr id="1" name=""/>
+        <p:cNvGrpSpPr/>
+        <p:nvPr/>
+      </p:nvGrpSpPr>
+      <p:grpSpPr>
+        <a:xfrm>
+          <a:off x="0" y="0"/>
+          <a:ext cx="0" cy="0"/>
+          <a:chOff x="0" y="0"/>
+          <a:chExt cx="0" cy="0"/>
+        </a:xfrm>
+      </p:grpSpPr>
+      <p:sp>
+        <p:nvSpPr>
           <p:cNvPr id="2" name="Slide Number Placeholder 1"/>
           <p:cNvSpPr>
             <a:spLocks noGrp="1"/>
@@ -11622,7 +11719,7 @@
             <a:fld id="{B6F15528-21DE-4FAA-801E-634DDDAF4B2B}" type="slidenum">
               <a:rPr lang="en-US" smtClean="0"/>
               <a:pPr/>
-              <a:t>20</a:t>
+              <a:t>21</a:t>
             </a:fld>
             <a:endParaRPr lang="en-US"/>
           </a:p>
@@ -11814,7 +11911,7 @@
 </p:sld>
 </file>
 
-<file path=ppt/slides/slide21.xml><?xml version="1.0" encoding="utf-8"?>
+<file path=ppt/slides/slide22.xml><?xml version="1.0" encoding="utf-8"?>
 <p:sld xmlns:a="http://schemas.openxmlformats.org/drawingml/2006/main" xmlns:r="http://schemas.openxmlformats.org/officeDocument/2006/relationships" xmlns:p="http://schemas.openxmlformats.org/presentationml/2006/main">
   <p:cSld>
     <p:spTree>
@@ -11872,14 +11969,14 @@
             <a:fld id="{B6F15528-21DE-4FAA-801E-634DDDAF4B2B}" type="slidenum">
               <a:rPr lang="en-US" smtClean="0"/>
               <a:pPr/>
-              <a:t>21</a:t>
+              <a:t>22</a:t>
             </a:fld>
             <a:endParaRPr lang="en-US"/>
           </a:p>
         </p:txBody>
       </p:sp>
-      <mc:AlternateContent xmlns:mc="http://schemas.openxmlformats.org/markup-compatibility/2006">
-        <mc:Choice xmlns:a14="http://schemas.microsoft.com/office/drawing/2010/main" Requires="a14">
+      <mc:AlternateContent xmlns:mc="http://schemas.openxmlformats.org/markup-compatibility/2006" xmlns:a14="http://schemas.microsoft.com/office/drawing/2010/main">
+        <mc:Choice Requires="a14">
           <p:sp>
             <p:nvSpPr>
               <p:cNvPr id="4" name="TextBox 3"/>
@@ -11902,6 +11999,7 @@
               </a:bodyPr>
               <a:lstStyle/>
               <a:p>
+                <a:pPr/>
                 <a14:m>
                   <m:oMathPara xmlns:m="http://schemas.openxmlformats.org/officeDocument/2006/math">
                     <m:oMathParaPr>
@@ -12485,7 +12583,7 @@
             </p:txBody>
           </p:sp>
         </mc:Choice>
-        <mc:Fallback>
+        <mc:Fallback xmlns="">
           <p:sp>
             <p:nvSpPr>
               <p:cNvPr id="4" name="TextBox 3"/>
@@ -12590,8 +12688,8 @@
           </a:p>
         </p:txBody>
       </p:sp>
-      <mc:AlternateContent xmlns:mc="http://schemas.openxmlformats.org/markup-compatibility/2006">
-        <mc:Choice xmlns:a14="http://schemas.microsoft.com/office/drawing/2010/main" Requires="a14">
+      <mc:AlternateContent xmlns:mc="http://schemas.openxmlformats.org/markup-compatibility/2006" xmlns:a14="http://schemas.microsoft.com/office/drawing/2010/main">
+        <mc:Choice Requires="a14">
           <p:sp>
             <p:nvSpPr>
               <p:cNvPr id="7" name="TextBox 6"/>
@@ -12614,6 +12712,7 @@
               </a:bodyPr>
               <a:lstStyle/>
               <a:p>
+                <a:pPr/>
                 <a14:m>
                   <m:oMathPara xmlns:m="http://schemas.openxmlformats.org/officeDocument/2006/math">
                     <m:oMathParaPr>
@@ -13098,7 +13197,7 @@
             </p:txBody>
           </p:sp>
         </mc:Choice>
-        <mc:Fallback>
+        <mc:Fallback xmlns="">
           <p:sp>
             <p:nvSpPr>
               <p:cNvPr id="7" name="TextBox 6"/>
@@ -13170,8 +13269,8 @@
           </a:p>
         </p:txBody>
       </p:sp>
-      <mc:AlternateContent xmlns:mc="http://schemas.openxmlformats.org/markup-compatibility/2006">
-        <mc:Choice xmlns:a14="http://schemas.microsoft.com/office/drawing/2010/main" Requires="a14">
+      <mc:AlternateContent xmlns:mc="http://schemas.openxmlformats.org/markup-compatibility/2006" xmlns:a14="http://schemas.microsoft.com/office/drawing/2010/main">
+        <mc:Choice Requires="a14">
           <p:sp>
             <p:nvSpPr>
               <p:cNvPr id="10" name="TextBox 9"/>
@@ -13194,6 +13293,7 @@
               </a:bodyPr>
               <a:lstStyle/>
               <a:p>
+                <a:pPr/>
                 <a14:m>
                   <m:oMathPara xmlns:m="http://schemas.openxmlformats.org/officeDocument/2006/math">
                     <m:oMathParaPr>
@@ -13571,7 +13671,7 @@
             </p:txBody>
           </p:sp>
         </mc:Choice>
-        <mc:Fallback>
+        <mc:Fallback xmlns="">
           <p:sp>
             <p:nvSpPr>
               <p:cNvPr id="10" name="TextBox 9"/>
@@ -13687,8 +13787,8 @@
           </a:p>
         </p:txBody>
       </p:sp>
-      <mc:AlternateContent xmlns:mc="http://schemas.openxmlformats.org/markup-compatibility/2006">
-        <mc:Choice xmlns:a14="http://schemas.microsoft.com/office/drawing/2010/main" Requires="a14">
+      <mc:AlternateContent xmlns:mc="http://schemas.openxmlformats.org/markup-compatibility/2006" xmlns:a14="http://schemas.microsoft.com/office/drawing/2010/main">
+        <mc:Choice Requires="a14">
           <p:sp>
             <p:nvSpPr>
               <p:cNvPr id="4" name="TextBox 3"/>
@@ -13736,13 +13836,8 @@
                 </a:pPr>
                 <a:r>
                   <a:rPr lang="en-US" sz="3200" dirty="0" smtClean="0"/>
-                  <a:t>Line segments can be removed, added, and </a:t>
-                </a:r>
-                <a:r>
-                  <a:rPr lang="en-US" sz="3200" dirty="0" smtClean="0"/>
-                  <a:t>moved.</a:t>
-                </a:r>
-                <a:endParaRPr lang="en-US" sz="3200" dirty="0" smtClean="0"/>
+                  <a:t>Line segments can be removed, added, and moved.</a:t>
+                </a:r>
               </a:p>
               <a:p>
                 <a:pPr marL="914400" lvl="1" indent="-457200">
@@ -13765,21 +13860,13 @@
                 </a14:m>
                 <a:r>
                   <a:rPr lang="en-US" sz="3200" dirty="0" smtClean="0"/>
-                  <a:t> line segments, we want to efficiently find whether a </a:t>
-                </a:r>
-                <a:r>
-                  <a:rPr lang="en-US" sz="3200" dirty="0" smtClean="0"/>
-                  <a:t>newly added </a:t>
-                </a:r>
-                <a:r>
-                  <a:rPr lang="en-US" sz="3200" dirty="0" smtClean="0"/>
-                  <a:t>line segment intersects the existing segments.</a:t>
+                  <a:t> line segments, we want to efficiently find whether a newly added line segment intersects the existing segments.</a:t>
                 </a:r>
               </a:p>
             </p:txBody>
           </p:sp>
         </mc:Choice>
-        <mc:Fallback>
+        <mc:Fallback xmlns="">
           <p:sp>
             <p:nvSpPr>
               <p:cNvPr id="4" name="TextBox 3"/>
@@ -14465,8 +14552,8 @@
           </a:p>
         </p:txBody>
       </p:sp>
-      <mc:AlternateContent xmlns:mc="http://schemas.openxmlformats.org/markup-compatibility/2006" xmlns:a14="http://schemas.microsoft.com/office/drawing/2010/main">
-        <mc:Choice Requires="a14">
+      <mc:AlternateContent xmlns:mc="http://schemas.openxmlformats.org/markup-compatibility/2006">
+        <mc:Choice xmlns:a14="http://schemas.microsoft.com/office/drawing/2010/main" Requires="a14">
           <p:sp>
             <p:nvSpPr>
               <p:cNvPr id="4" name="TextBox 3"/>
@@ -14710,9 +14797,9 @@
                 </a:r>
               </a:p>
               <a:p>
-                <a:pPr marL="742950" lvl="1" indent="-285750">
+                <a:pPr marL="914400" lvl="1" indent="-457200">
                   <a:buFont typeface="Wingdings" panose="05000000000000000000" pitchFamily="2" charset="2"/>
-                  <a:buChar char="q"/>
+                  <a:buChar char="Ø"/>
                 </a:pPr>
                 <a:r>
                   <a:rPr lang="en-US" sz="3200" dirty="0" smtClean="0"/>
@@ -14916,7 +15003,7 @@
             </p:txBody>
           </p:sp>
         </mc:Choice>
-        <mc:Fallback xmlns="">
+        <mc:Fallback>
           <p:sp>
             <p:nvSpPr>
               <p:cNvPr id="4" name="TextBox 3"/>
@@ -15276,11 +15363,7 @@
           <a:p>
             <a:r>
               <a:rPr lang="en-US" dirty="0" smtClean="0"/>
-              <a:t>K-d </a:t>
-            </a:r>
-            <a:r>
-              <a:rPr lang="en-US" dirty="0" smtClean="0"/>
-              <a:t>tree</a:t>
+              <a:t>K-d tree</a:t>
             </a:r>
             <a:r>
               <a:rPr lang="en-US" baseline="30000" dirty="0" smtClean="0"/>
@@ -15288,11 +15371,7 @@
             </a:r>
             <a:r>
               <a:rPr lang="en-US" dirty="0" smtClean="0"/>
-              <a:t> </a:t>
-            </a:r>
-            <a:r>
-              <a:rPr lang="en-US" dirty="0" smtClean="0"/>
-              <a:t>for line segments</a:t>
+              <a:t> for line segments</a:t>
             </a:r>
             <a:endParaRPr lang="en-US" dirty="0"/>
           </a:p>
@@ -15414,11 +15493,7 @@
             <a:pPr lvl="0"/>
             <a:r>
               <a:rPr lang="en-US" sz="1200" dirty="0" smtClean="0"/>
-              <a:t>[2]  </a:t>
-            </a:r>
-            <a:r>
-              <a:rPr lang="en-US" sz="1200" dirty="0" smtClean="0"/>
-              <a:t>Bentley, J. L.  1975.  Multidimensional binary search trees used for associative searching. </a:t>
+              <a:t>[2]  Bentley, J. L.  1975.  Multidimensional binary search trees used for associative searching. </a:t>
             </a:r>
             <a:r>
               <a:rPr lang="en-US" sz="1200" i="1" dirty="0" smtClean="0"/>
@@ -15520,8 +15595,8 @@
           </a:p>
         </p:txBody>
       </p:sp>
-      <mc:AlternateContent xmlns:mc="http://schemas.openxmlformats.org/markup-compatibility/2006">
-        <mc:Choice xmlns:a14="http://schemas.microsoft.com/office/drawing/2010/main" Requires="a14">
+      <mc:AlternateContent xmlns:mc="http://schemas.openxmlformats.org/markup-compatibility/2006" xmlns:a14="http://schemas.microsoft.com/office/drawing/2010/main">
+        <mc:Choice Requires="a14">
           <p:sp>
             <p:nvSpPr>
               <p:cNvPr id="4" name="TextBox 3"/>
@@ -15939,7 +16014,7 @@
             </p:txBody>
           </p:sp>
         </mc:Choice>
-        <mc:Fallback>
+        <mc:Fallback xmlns="">
           <p:sp>
             <p:nvSpPr>
               <p:cNvPr id="4" name="TextBox 3"/>
@@ -16055,8 +16130,8 @@
           </a:p>
         </p:txBody>
       </p:sp>
-      <mc:AlternateContent xmlns:mc="http://schemas.openxmlformats.org/markup-compatibility/2006">
-        <mc:Choice xmlns:a14="http://schemas.microsoft.com/office/drawing/2010/main" Requires="a14">
+      <mc:AlternateContent xmlns:mc="http://schemas.openxmlformats.org/markup-compatibility/2006" xmlns:a14="http://schemas.microsoft.com/office/drawing/2010/main">
+        <mc:Choice Requires="a14">
           <p:sp>
             <p:nvSpPr>
               <p:cNvPr id="24" name="TextBox 23"/>
@@ -16085,17 +16160,12 @@
                 </a:pPr>
                 <a:r>
                   <a:rPr lang="en-US" sz="3200" dirty="0" smtClean="0"/>
-                  <a:t>Geometric probability </a:t>
-                </a:r>
-                <a:r>
-                  <a:rPr lang="en-US" sz="3200" dirty="0" smtClean="0"/>
-                  <a:t>theory</a:t>
+                  <a:t>Geometric probability theory</a:t>
                 </a:r>
                 <a:r>
                   <a:rPr lang="en-US" sz="3200" baseline="30000" dirty="0" smtClean="0"/>
                   <a:t>[3]</a:t>
                 </a:r>
-                <a:endParaRPr lang="en-US" sz="3200" baseline="30000" dirty="0" smtClean="0"/>
               </a:p>
               <a:p>
                 <a:pPr marL="914400" lvl="1" indent="-457200">
@@ -16249,7 +16319,7 @@
             </p:txBody>
           </p:sp>
         </mc:Choice>
-        <mc:Fallback>
+        <mc:Fallback xmlns="">
           <p:sp>
             <p:nvSpPr>
               <p:cNvPr id="24" name="TextBox 23"/>
@@ -16438,8 +16508,8 @@
           </a:fontRef>
         </p:style>
       </p:cxnSp>
-      <mc:AlternateContent xmlns:mc="http://schemas.openxmlformats.org/markup-compatibility/2006">
-        <mc:Choice xmlns:a14="http://schemas.microsoft.com/office/drawing/2010/main" Requires="a14">
+      <mc:AlternateContent xmlns:mc="http://schemas.openxmlformats.org/markup-compatibility/2006" xmlns:a14="http://schemas.microsoft.com/office/drawing/2010/main">
+        <mc:Choice Requires="a14">
           <p:sp>
             <p:nvSpPr>
               <p:cNvPr id="25" name="TextBox 24"/>
@@ -16501,7 +16571,7 @@
             </p:txBody>
           </p:sp>
         </mc:Choice>
-        <mc:Fallback>
+        <mc:Fallback xmlns="">
           <p:sp>
             <p:nvSpPr>
               <p:cNvPr id="25" name="TextBox 24"/>
@@ -16750,8 +16820,8 @@
           </a:fontRef>
         </p:style>
       </p:cxnSp>
-      <mc:AlternateContent xmlns:mc="http://schemas.openxmlformats.org/markup-compatibility/2006">
-        <mc:Choice xmlns:a14="http://schemas.microsoft.com/office/drawing/2010/main" Requires="a14">
+      <mc:AlternateContent xmlns:mc="http://schemas.openxmlformats.org/markup-compatibility/2006" xmlns:a14="http://schemas.microsoft.com/office/drawing/2010/main">
+        <mc:Choice Requires="a14">
           <p:sp>
             <p:nvSpPr>
               <p:cNvPr id="34" name="TextBox 33"/>
@@ -16871,7 +16941,7 @@
             </p:txBody>
           </p:sp>
         </mc:Choice>
-        <mc:Fallback>
+        <mc:Fallback xmlns="">
           <p:sp>
             <p:nvSpPr>
               <p:cNvPr id="34" name="TextBox 33"/>
@@ -16910,8 +16980,8 @@
           </p:sp>
         </mc:Fallback>
       </mc:AlternateContent>
-      <mc:AlternateContent xmlns:mc="http://schemas.openxmlformats.org/markup-compatibility/2006">
-        <mc:Choice xmlns:a14="http://schemas.microsoft.com/office/drawing/2010/main" Requires="a14">
+      <mc:AlternateContent xmlns:mc="http://schemas.openxmlformats.org/markup-compatibility/2006" xmlns:a14="http://schemas.microsoft.com/office/drawing/2010/main">
+        <mc:Choice Requires="a14">
           <p:sp>
             <p:nvSpPr>
               <p:cNvPr id="35" name="TextBox 34"/>
@@ -16974,7 +17044,7 @@
             </p:txBody>
           </p:sp>
         </mc:Choice>
-        <mc:Fallback>
+        <mc:Fallback xmlns="">
           <p:sp>
             <p:nvSpPr>
               <p:cNvPr id="35" name="TextBox 34"/>
@@ -17013,8 +17083,8 @@
           </p:sp>
         </mc:Fallback>
       </mc:AlternateContent>
-      <mc:AlternateContent xmlns:mc="http://schemas.openxmlformats.org/markup-compatibility/2006">
-        <mc:Choice xmlns:a14="http://schemas.microsoft.com/office/drawing/2010/main" Requires="a14">
+      <mc:AlternateContent xmlns:mc="http://schemas.openxmlformats.org/markup-compatibility/2006" xmlns:a14="http://schemas.microsoft.com/office/drawing/2010/main">
+        <mc:Choice Requires="a14">
           <p:sp>
             <p:nvSpPr>
               <p:cNvPr id="36" name="TextBox 35"/>
@@ -17077,7 +17147,7 @@
             </p:txBody>
           </p:sp>
         </mc:Choice>
-        <mc:Fallback>
+        <mc:Fallback xmlns="">
           <p:sp>
             <p:nvSpPr>
               <p:cNvPr id="36" name="TextBox 35"/>
@@ -17304,8 +17374,8 @@
           </a:p>
         </p:txBody>
       </p:sp>
-      <mc:AlternateContent xmlns:mc="http://schemas.openxmlformats.org/markup-compatibility/2006">
-        <mc:Choice xmlns:a14="http://schemas.microsoft.com/office/drawing/2010/main" Requires="a14">
+      <mc:AlternateContent xmlns:mc="http://schemas.openxmlformats.org/markup-compatibility/2006" xmlns:a14="http://schemas.microsoft.com/office/drawing/2010/main">
+        <mc:Choice Requires="a14">
           <p:sp>
             <p:nvSpPr>
               <p:cNvPr id="4" name="TextBox 3"/>
@@ -17334,15 +17404,7 @@
                 </a:pPr>
                 <a:r>
                   <a:rPr lang="en-US" sz="3200" dirty="0" smtClean="0"/>
-                  <a:t>T</a:t>
-                </a:r>
-                <a:r>
-                  <a:rPr lang="en-US" sz="3200" dirty="0" smtClean="0"/>
-                  <a:t>he splitting lines that pass one of two end points of each line segment are the only candidates that we have to consider</a:t>
-                </a:r>
-                <a:r>
-                  <a:rPr lang="en-US" sz="3200" dirty="0" smtClean="0"/>
-                  <a:t>.</a:t>
+                  <a:t>The splitting lines that pass one of two end points of each line segment are the only candidates that we have to consider.</a:t>
                 </a:r>
               </a:p>
               <a:p>
@@ -17568,7 +17630,6 @@
                   <a:rPr lang="en-US" sz="3200" dirty="0" smtClean="0"/>
                   <a:t> has its minima only at these candidates.</a:t>
                 </a:r>
-                <a:endParaRPr lang="en-US" sz="3200" dirty="0" smtClean="0"/>
               </a:p>
               <a:p>
                 <a:pPr marL="914400" lvl="1" indent="-457200">
@@ -17580,7 +17641,7 @@
             </p:txBody>
           </p:sp>
         </mc:Choice>
-        <mc:Fallback>
+        <mc:Fallback xmlns="">
           <p:sp>
             <p:nvSpPr>
               <p:cNvPr id="4" name="TextBox 3"/>

--- a/final-nishida.pptx
+++ b/final-nishida.pptx
@@ -357,11 +357,11 @@
         </c:dLbls>
         <c:marker val="1"/>
         <c:smooth val="0"/>
-        <c:axId val="89509248"/>
-        <c:axId val="89515520"/>
+        <c:axId val="46213760"/>
+        <c:axId val="46215936"/>
       </c:lineChart>
       <c:catAx>
-        <c:axId val="89509248"/>
+        <c:axId val="46213760"/>
         <c:scaling>
           <c:orientation val="minMax"/>
         </c:scaling>
@@ -395,7 +395,7 @@
         <c:majorTickMark val="out"/>
         <c:minorTickMark val="none"/>
         <c:tickLblPos val="nextTo"/>
-        <c:crossAx val="89515520"/>
+        <c:crossAx val="46215936"/>
         <c:crosses val="autoZero"/>
         <c:auto val="1"/>
         <c:lblAlgn val="ctr"/>
@@ -403,7 +403,7 @@
         <c:noMultiLvlLbl val="0"/>
       </c:catAx>
       <c:valAx>
-        <c:axId val="89515520"/>
+        <c:axId val="46215936"/>
         <c:scaling>
           <c:orientation val="minMax"/>
         </c:scaling>
@@ -433,7 +433,7 @@
         <c:majorTickMark val="out"/>
         <c:minorTickMark val="none"/>
         <c:tickLblPos val="nextTo"/>
-        <c:crossAx val="89509248"/>
+        <c:crossAx val="46213760"/>
         <c:crosses val="autoZero"/>
         <c:crossBetween val="between"/>
       </c:valAx>
@@ -679,11 +679,11 @@
         </c:dLbls>
         <c:marker val="1"/>
         <c:smooth val="0"/>
-        <c:axId val="89554944"/>
-        <c:axId val="89556864"/>
+        <c:axId val="46230528"/>
+        <c:axId val="46257280"/>
       </c:lineChart>
       <c:catAx>
-        <c:axId val="89554944"/>
+        <c:axId val="46230528"/>
         <c:scaling>
           <c:orientation val="minMax"/>
         </c:scaling>
@@ -717,7 +717,7 @@
         <c:majorTickMark val="out"/>
         <c:minorTickMark val="none"/>
         <c:tickLblPos val="nextTo"/>
-        <c:crossAx val="89556864"/>
+        <c:crossAx val="46257280"/>
         <c:crosses val="autoZero"/>
         <c:auto val="1"/>
         <c:lblAlgn val="ctr"/>
@@ -725,7 +725,7 @@
         <c:noMultiLvlLbl val="0"/>
       </c:catAx>
       <c:valAx>
-        <c:axId val="89556864"/>
+        <c:axId val="46257280"/>
         <c:scaling>
           <c:orientation val="minMax"/>
         </c:scaling>
@@ -760,7 +760,7 @@
         <c:majorTickMark val="out"/>
         <c:minorTickMark val="none"/>
         <c:tickLblPos val="nextTo"/>
-        <c:crossAx val="89554944"/>
+        <c:crossAx val="46230528"/>
         <c:crosses val="autoZero"/>
         <c:crossBetween val="between"/>
       </c:valAx>
@@ -862,7 +862,7 @@
           <a:p>
             <a:fld id="{DDE771F2-0022-439E-8F64-ECEAEFE29F5D}" type="datetimeFigureOut">
               <a:rPr lang="en-US" smtClean="0"/>
-              <a:t>4/27/2014</a:t>
+              <a:t>4/28/2014</a:t>
             </a:fld>
             <a:endParaRPr lang="en-US"/>
           </a:p>
@@ -1311,7 +1311,7 @@
           <a:p>
             <a:fld id="{5DD09093-FE61-4D7A-8F8A-7E3F20061FC7}" type="datetime1">
               <a:rPr lang="en-US" smtClean="0"/>
-              <a:t>4/27/2014</a:t>
+              <a:t>4/28/2014</a:t>
             </a:fld>
             <a:endParaRPr lang="en-US"/>
           </a:p>
@@ -1482,7 +1482,7 @@
           <a:p>
             <a:fld id="{E3CD45E2-D68F-4CB4-B2A8-C5C79890006D}" type="datetime1">
               <a:rPr lang="en-US" smtClean="0"/>
-              <a:t>4/27/2014</a:t>
+              <a:t>4/28/2014</a:t>
             </a:fld>
             <a:endParaRPr lang="en-US"/>
           </a:p>
@@ -1663,7 +1663,7 @@
           <a:p>
             <a:fld id="{BCE5469E-9A7C-4C40-B662-EA597E55329D}" type="datetime1">
               <a:rPr lang="en-US" smtClean="0"/>
-              <a:t>4/27/2014</a:t>
+              <a:t>4/28/2014</a:t>
             </a:fld>
             <a:endParaRPr lang="en-US"/>
           </a:p>
@@ -1834,7 +1834,7 @@
           <a:p>
             <a:fld id="{3882AFE8-5946-498C-87A5-103055721AB1}" type="datetime1">
               <a:rPr lang="en-US" smtClean="0"/>
-              <a:t>4/27/2014</a:t>
+              <a:t>4/28/2014</a:t>
             </a:fld>
             <a:endParaRPr lang="en-US"/>
           </a:p>
@@ -2081,7 +2081,7 @@
           <a:p>
             <a:fld id="{E0D73E5B-0528-4D95-9817-2ABF1503E95A}" type="datetime1">
               <a:rPr lang="en-US" smtClean="0"/>
-              <a:t>4/27/2014</a:t>
+              <a:t>4/28/2014</a:t>
             </a:fld>
             <a:endParaRPr lang="en-US"/>
           </a:p>
@@ -2370,7 +2370,7 @@
           <a:p>
             <a:fld id="{CBC666D9-6D0F-4531-A32E-54959FEE458E}" type="datetime1">
               <a:rPr lang="en-US" smtClean="0"/>
-              <a:t>4/27/2014</a:t>
+              <a:t>4/28/2014</a:t>
             </a:fld>
             <a:endParaRPr lang="en-US"/>
           </a:p>
@@ -2793,7 +2793,7 @@
           <a:p>
             <a:fld id="{09BE22E3-71B9-4798-8F9D-118FAC7236FE}" type="datetime1">
               <a:rPr lang="en-US" smtClean="0"/>
-              <a:t>4/27/2014</a:t>
+              <a:t>4/28/2014</a:t>
             </a:fld>
             <a:endParaRPr lang="en-US"/>
           </a:p>
@@ -2912,7 +2912,7 @@
           <a:p>
             <a:fld id="{DF1B7C3E-0478-400A-ABB8-7CD0EB395C78}" type="datetime1">
               <a:rPr lang="en-US" smtClean="0"/>
-              <a:t>4/27/2014</a:t>
+              <a:t>4/28/2014</a:t>
             </a:fld>
             <a:endParaRPr lang="en-US"/>
           </a:p>
@@ -3008,7 +3008,7 @@
           <a:p>
             <a:fld id="{B2086DC8-44A1-4AA7-9913-375F61CB0779}" type="datetime1">
               <a:rPr lang="en-US" smtClean="0"/>
-              <a:t>4/27/2014</a:t>
+              <a:t>4/28/2014</a:t>
             </a:fld>
             <a:endParaRPr lang="en-US"/>
           </a:p>
@@ -3286,7 +3286,7 @@
           <a:p>
             <a:fld id="{3C9F978D-E5E8-44E0-8B4C-40B91A46892A}" type="datetime1">
               <a:rPr lang="en-US" smtClean="0"/>
-              <a:t>4/27/2014</a:t>
+              <a:t>4/28/2014</a:t>
             </a:fld>
             <a:endParaRPr lang="en-US"/>
           </a:p>
@@ -3540,7 +3540,7 @@
           <a:p>
             <a:fld id="{6AC9B53F-5083-4741-9173-D5D22C113946}" type="datetime1">
               <a:rPr lang="en-US" smtClean="0"/>
-              <a:t>4/27/2014</a:t>
+              <a:t>4/28/2014</a:t>
             </a:fld>
             <a:endParaRPr lang="en-US"/>
           </a:p>
@@ -3754,7 +3754,7 @@
           <a:p>
             <a:fld id="{E8BEF985-98B0-4C39-9E6B-332DD57B1406}" type="datetime1">
               <a:rPr lang="en-US" smtClean="0"/>
-              <a:t>4/27/2014</a:t>
+              <a:t>4/28/2014</a:t>
             </a:fld>
             <a:endParaRPr lang="en-US"/>
           </a:p>
@@ -10540,8 +10540,8 @@
           </a:p>
         </p:txBody>
       </p:sp>
-      <mc:AlternateContent xmlns:mc="http://schemas.openxmlformats.org/markup-compatibility/2006" xmlns:a14="http://schemas.microsoft.com/office/drawing/2010/main">
-        <mc:Choice Requires="a14">
+      <mc:AlternateContent xmlns:mc="http://schemas.openxmlformats.org/markup-compatibility/2006">
+        <mc:Choice xmlns:a14="http://schemas.microsoft.com/office/drawing/2010/main" Requires="a14">
           <p:sp>
             <p:nvSpPr>
               <p:cNvPr id="4" name="TextBox 3"/>
@@ -10595,7 +10595,23 @@
                 </a:pPr>
                 <a:r>
                   <a:rPr lang="en-US" sz="3200" dirty="0" smtClean="0"/>
-                  <a:t>10,000 line segments with average 10 units long randomly spatially distributed over the 1000 units </a:t>
+                  <a:t>10,000 line segments with average 10 units </a:t>
+                </a:r>
+                <a:r>
+                  <a:rPr lang="en-US" sz="3200" dirty="0" smtClean="0"/>
+                  <a:t>length </a:t>
+                </a:r>
+                <a:r>
+                  <a:rPr lang="en-US" sz="3200" dirty="0" smtClean="0"/>
+                  <a:t>randomly </a:t>
+                </a:r>
+                <a:r>
+                  <a:rPr lang="en-US" sz="3200" dirty="0" smtClean="0"/>
+                  <a:t>distributed </a:t>
+                </a:r>
+                <a:r>
+                  <a:rPr lang="en-US" sz="3200" dirty="0" smtClean="0"/>
+                  <a:t>over the 1000 units </a:t>
                 </a:r>
                 <a14:m>
                   <m:oMath xmlns:m="http://schemas.openxmlformats.org/officeDocument/2006/math">
@@ -10626,7 +10642,7 @@
             </p:txBody>
           </p:sp>
         </mc:Choice>
-        <mc:Fallback xmlns="">
+        <mc:Fallback>
           <p:sp>
             <p:nvSpPr>
               <p:cNvPr id="4" name="TextBox 3"/>
@@ -14552,8 +14568,8 @@
           </a:p>
         </p:txBody>
       </p:sp>
-      <mc:AlternateContent xmlns:mc="http://schemas.openxmlformats.org/markup-compatibility/2006">
-        <mc:Choice xmlns:a14="http://schemas.microsoft.com/office/drawing/2010/main" Requires="a14">
+      <mc:AlternateContent xmlns:mc="http://schemas.openxmlformats.org/markup-compatibility/2006" xmlns:a14="http://schemas.microsoft.com/office/drawing/2010/main">
+        <mc:Choice Requires="a14">
           <p:sp>
             <p:nvSpPr>
               <p:cNvPr id="4" name="TextBox 3"/>
@@ -15003,7 +15019,7 @@
             </p:txBody>
           </p:sp>
         </mc:Choice>
-        <mc:Fallback>
+        <mc:Fallback xmlns="">
           <p:sp>
             <p:nvSpPr>
               <p:cNvPr id="4" name="TextBox 3"/>
@@ -15401,73 +15417,237 @@
           </a:p>
         </p:txBody>
       </p:sp>
-      <p:sp>
-        <p:nvSpPr>
-          <p:cNvPr id="4" name="TextBox 3"/>
-          <p:cNvSpPr txBox="1"/>
-          <p:nvPr/>
-        </p:nvSpPr>
-        <p:spPr>
-          <a:xfrm>
-            <a:off x="304800" y="1753612"/>
-            <a:ext cx="8534400" cy="3046988"/>
-          </a:xfrm>
-          <a:prstGeom prst="rect">
-            <a:avLst/>
-          </a:prstGeom>
-          <a:noFill/>
-        </p:spPr>
-        <p:txBody>
-          <a:bodyPr wrap="square" rtlCol="0">
-            <a:spAutoFit/>
-          </a:bodyPr>
-          <a:lstStyle/>
-          <a:p>
-            <a:pPr marL="457200" indent="-457200">
-              <a:buFont typeface="Wingdings" panose="05000000000000000000" pitchFamily="2" charset="2"/>
-              <a:buChar char="q"/>
-            </a:pPr>
-            <a:r>
-              <a:rPr lang="en-US" sz="3200" dirty="0" smtClean="0"/>
-              <a:t>How to choose a splitting line?</a:t>
-            </a:r>
-          </a:p>
-          <a:p>
-            <a:pPr marL="914400" lvl="1" indent="-457200">
-              <a:buFont typeface="Wingdings" panose="05000000000000000000" pitchFamily="2" charset="2"/>
-              <a:buChar char="Ø"/>
-            </a:pPr>
-            <a:r>
-              <a:rPr lang="en-US" sz="3200" dirty="0" smtClean="0"/>
-              <a:t>Spatial median splitting</a:t>
-            </a:r>
-            <a:br>
-              <a:rPr lang="en-US" sz="3200" dirty="0" smtClean="0"/>
-            </a:br>
-            <a:r>
-              <a:rPr lang="en-US" sz="3200" dirty="0" smtClean="0"/>
-              <a:t>evenly split the space</a:t>
-            </a:r>
-          </a:p>
-          <a:p>
-            <a:pPr marL="914400" lvl="1" indent="-457200">
-              <a:buFont typeface="Wingdings" panose="05000000000000000000" pitchFamily="2" charset="2"/>
-              <a:buChar char="Ø"/>
-            </a:pPr>
-            <a:r>
-              <a:rPr lang="en-US" sz="3200" dirty="0" smtClean="0"/>
-              <a:t>Randomized algorithm</a:t>
-            </a:r>
-            <a:br>
-              <a:rPr lang="en-US" sz="3200" dirty="0" smtClean="0"/>
-            </a:br>
-            <a:r>
-              <a:rPr lang="en-US" sz="3200" dirty="0" smtClean="0"/>
-              <a:t>randomly choose a line segment as a splitting line</a:t>
-            </a:r>
-          </a:p>
-        </p:txBody>
-      </p:sp>
+      <mc:AlternateContent xmlns:mc="http://schemas.openxmlformats.org/markup-compatibility/2006" xmlns:a14="http://schemas.microsoft.com/office/drawing/2010/main">
+        <mc:Choice Requires="a14">
+          <p:sp>
+            <p:nvSpPr>
+              <p:cNvPr id="4" name="TextBox 3"/>
+              <p:cNvSpPr txBox="1"/>
+              <p:nvPr/>
+            </p:nvSpPr>
+            <p:spPr>
+              <a:xfrm>
+                <a:off x="304800" y="1447800"/>
+                <a:ext cx="8534400" cy="4524315"/>
+              </a:xfrm>
+              <a:prstGeom prst="rect">
+                <a:avLst/>
+              </a:prstGeom>
+              <a:noFill/>
+            </p:spPr>
+            <p:txBody>
+              <a:bodyPr wrap="square" rtlCol="0">
+                <a:spAutoFit/>
+              </a:bodyPr>
+              <a:lstStyle/>
+              <a:p>
+                <a:pPr marL="457200" indent="-457200">
+                  <a:buFont typeface="Wingdings" panose="05000000000000000000" pitchFamily="2" charset="2"/>
+                  <a:buChar char="q"/>
+                </a:pPr>
+                <a:r>
+                  <a:rPr lang="en-US" sz="3200" dirty="0" smtClean="0"/>
+                  <a:t>How to choose a splitting line?</a:t>
+                </a:r>
+              </a:p>
+              <a:p>
+                <a:pPr marL="914400" lvl="1" indent="-457200">
+                  <a:buFont typeface="Wingdings" panose="05000000000000000000" pitchFamily="2" charset="2"/>
+                  <a:buChar char="Ø"/>
+                </a:pPr>
+                <a:r>
+                  <a:rPr lang="en-US" sz="3200" dirty="0" smtClean="0"/>
+                  <a:t>Spatial median splitting</a:t>
+                </a:r>
+              </a:p>
+              <a:p>
+                <a:pPr marL="1371600" lvl="2" indent="-457200">
+                  <a:buFont typeface="Arial" panose="020B0604020202020204" pitchFamily="34" charset="0"/>
+                  <a:buChar char="•"/>
+                </a:pPr>
+                <a:r>
+                  <a:rPr lang="en-US" sz="3200" dirty="0" smtClean="0"/>
+                  <a:t>Splitting line is positioned at the spatial median of the region</a:t>
+                </a:r>
+              </a:p>
+              <a:p>
+                <a:pPr marL="914400" lvl="1" indent="-457200">
+                  <a:buFont typeface="Wingdings" panose="05000000000000000000" pitchFamily="2" charset="2"/>
+                  <a:buChar char="Ø"/>
+                </a:pPr>
+                <a:r>
+                  <a:rPr lang="en-US" sz="3200" dirty="0" smtClean="0"/>
+                  <a:t>Randomized algorithm</a:t>
+                </a:r>
+              </a:p>
+              <a:p>
+                <a:pPr marL="1371600" lvl="2" indent="-457200">
+                  <a:buFont typeface="Arial" panose="020B0604020202020204" pitchFamily="34" charset="0"/>
+                  <a:buChar char="•"/>
+                </a:pPr>
+                <a:r>
+                  <a:rPr lang="en-US" sz="3200" dirty="0" smtClean="0"/>
+                  <a:t>randomly choose a line segment as a splitting line</a:t>
+                </a:r>
+              </a:p>
+              <a:p>
+                <a:pPr marL="1371600" lvl="2" indent="-457200">
+                  <a:buFont typeface="Arial" panose="020B0604020202020204" pitchFamily="34" charset="0"/>
+                  <a:buChar char="•"/>
+                </a:pPr>
+                <a:r>
+                  <a:rPr lang="en-US" sz="3200" dirty="0" smtClean="0"/>
+                  <a:t>Expected query time is </a:t>
+                </a:r>
+                <a14:m>
+                  <m:oMath xmlns:m="http://schemas.openxmlformats.org/officeDocument/2006/math">
+                    <m:r>
+                      <a:rPr lang="en-US" sz="3200" b="0" i="1" smtClean="0">
+                        <a:latin typeface="Cambria Math"/>
+                      </a:rPr>
+                      <m:t>𝑂</m:t>
+                    </m:r>
+                    <m:d>
+                      <m:dPr>
+                        <m:ctrlPr>
+                          <a:rPr lang="en-US" sz="3200" b="0" i="1" smtClean="0">
+                            <a:latin typeface="Cambria Math"/>
+                          </a:rPr>
+                        </m:ctrlPr>
+                      </m:dPr>
+                      <m:e>
+                        <m:r>
+                          <a:rPr lang="en-US" sz="3200" b="0" i="1" smtClean="0">
+                            <a:latin typeface="Cambria Math"/>
+                          </a:rPr>
+                          <m:t>𝑛</m:t>
+                        </m:r>
+                        <m:func>
+                          <m:funcPr>
+                            <m:ctrlPr>
+                              <a:rPr lang="en-US" sz="3200" b="0" i="1" smtClean="0">
+                                <a:latin typeface="Cambria Math"/>
+                              </a:rPr>
+                            </m:ctrlPr>
+                          </m:funcPr>
+                          <m:fName>
+                            <m:r>
+                              <m:rPr>
+                                <m:sty m:val="p"/>
+                              </m:rPr>
+                              <a:rPr lang="en-US" sz="3200" b="0" i="0" smtClean="0">
+                                <a:latin typeface="Cambria Math"/>
+                              </a:rPr>
+                              <m:t>log</m:t>
+                            </m:r>
+                          </m:fName>
+                          <m:e>
+                            <m:r>
+                              <a:rPr lang="en-US" sz="3200" b="0" i="1" smtClean="0">
+                                <a:latin typeface="Cambria Math"/>
+                              </a:rPr>
+                              <m:t>𝑛</m:t>
+                            </m:r>
+                          </m:e>
+                        </m:func>
+                      </m:e>
+                    </m:d>
+                  </m:oMath>
+                </a14:m>
+                <a:r>
+                  <a:rPr lang="en-US" sz="3200" dirty="0" smtClean="0"/>
+                  <a:t>, but the worst case is </a:t>
+                </a:r>
+                <a14:m>
+                  <m:oMath xmlns:m="http://schemas.openxmlformats.org/officeDocument/2006/math">
+                    <m:r>
+                      <a:rPr lang="en-US" sz="3200" b="0" i="1" smtClean="0">
+                        <a:latin typeface="Cambria Math"/>
+                      </a:rPr>
+                      <m:t>𝑂</m:t>
+                    </m:r>
+                    <m:d>
+                      <m:dPr>
+                        <m:ctrlPr>
+                          <a:rPr lang="en-US" sz="3200" b="0" i="1" smtClean="0">
+                            <a:latin typeface="Cambria Math"/>
+                          </a:rPr>
+                        </m:ctrlPr>
+                      </m:dPr>
+                      <m:e>
+                        <m:sSup>
+                          <m:sSupPr>
+                            <m:ctrlPr>
+                              <a:rPr lang="en-US" sz="3200" b="0" i="1" smtClean="0">
+                                <a:latin typeface="Cambria Math"/>
+                              </a:rPr>
+                            </m:ctrlPr>
+                          </m:sSupPr>
+                          <m:e>
+                            <m:r>
+                              <a:rPr lang="en-US" sz="3200" b="0" i="1" smtClean="0">
+                                <a:latin typeface="Cambria Math"/>
+                              </a:rPr>
+                              <m:t>𝑛</m:t>
+                            </m:r>
+                          </m:e>
+                          <m:sup>
+                            <m:r>
+                              <a:rPr lang="en-US" sz="3200" b="0" i="1" smtClean="0">
+                                <a:latin typeface="Cambria Math"/>
+                              </a:rPr>
+                              <m:t>2</m:t>
+                            </m:r>
+                          </m:sup>
+                        </m:sSup>
+                      </m:e>
+                    </m:d>
+                  </m:oMath>
+                </a14:m>
+                <a:endParaRPr lang="en-US" sz="3200" dirty="0" smtClean="0"/>
+              </a:p>
+            </p:txBody>
+          </p:sp>
+        </mc:Choice>
+        <mc:Fallback xmlns="">
+          <p:sp>
+            <p:nvSpPr>
+              <p:cNvPr id="4" name="TextBox 3"/>
+              <p:cNvSpPr txBox="1">
+                <a:spLocks noRot="1" noChangeAspect="1" noMove="1" noResize="1" noEditPoints="1" noAdjustHandles="1" noChangeArrowheads="1" noChangeShapeType="1" noTextEdit="1"/>
+              </p:cNvSpPr>
+              <p:nvPr/>
+            </p:nvSpPr>
+            <p:spPr>
+              <a:xfrm>
+                <a:off x="304800" y="1447800"/>
+                <a:ext cx="8534400" cy="4524315"/>
+              </a:xfrm>
+              <a:prstGeom prst="rect">
+                <a:avLst/>
+              </a:prstGeom>
+              <a:blipFill rotWithShape="1">
+                <a:blip r:embed="rId2"/>
+                <a:stretch>
+                  <a:fillRect l="-1571" t="-1752" b="-3504"/>
+                </a:stretch>
+              </a:blipFill>
+            </p:spPr>
+            <p:txBody>
+              <a:bodyPr/>
+              <a:lstStyle/>
+              <a:p>
+                <a:r>
+                  <a:rPr lang="en-US">
+                    <a:noFill/>
+                  </a:rPr>
+                  <a:t> </a:t>
+                </a:r>
+              </a:p>
+            </p:txBody>
+          </p:sp>
+        </mc:Fallback>
+      </mc:AlternateContent>
       <p:sp>
         <p:nvSpPr>
           <p:cNvPr id="5" name="TextBox 4"/>
